--- a/PPt/演示PPT.pptx
+++ b/PPt/演示PPT.pptx
@@ -2920,37 +2920,108 @@
       <p:grpSpPr/>
       <p:sp>
         <p:nvSpPr>
-          <p:cNvPr id="2" name="标题 1"/>
-          <p:cNvSpPr>
-            <a:spLocks noGrp="1"/>
-          </p:cNvSpPr>
-          <p:nvPr>
-            <p:ph type="ctrTitle"/>
-          </p:nvPr>
-        </p:nvSpPr>
-        <p:spPr/>
-        <p:txBody>
-          <a:bodyPr/>
-          <a:p>
-            <a:endParaRPr lang="zh-CN" altLang="en-US"/>
-          </a:p>
-        </p:txBody>
-      </p:sp>
-      <p:sp>
-        <p:nvSpPr>
-          <p:cNvPr id="3" name="副标题 2"/>
-          <p:cNvSpPr>
-            <a:spLocks noGrp="1"/>
-          </p:cNvSpPr>
-          <p:nvPr>
-            <p:ph type="subTitle" idx="1"/>
-          </p:nvPr>
-        </p:nvSpPr>
-        <p:spPr/>
-        <p:txBody>
-          <a:bodyPr/>
-          <a:p>
-            <a:endParaRPr lang="zh-CN" altLang="en-US"/>
+          <p:cNvPr id="4" name="矩形 3"/>
+          <p:cNvSpPr/>
+          <p:nvPr/>
+        </p:nvSpPr>
+        <p:spPr>
+          <a:xfrm>
+            <a:off x="299085" y="340360"/>
+            <a:ext cx="11593830" cy="6177280"/>
+          </a:xfrm>
+          <a:prstGeom prst="rect">
+            <a:avLst/>
+          </a:prstGeom>
+        </p:spPr>
+        <p:style>
+          <a:lnRef idx="2">
+            <a:schemeClr val="accent3">
+              <a:shade val="50000"/>
+            </a:schemeClr>
+          </a:lnRef>
+          <a:fillRef idx="1">
+            <a:schemeClr val="accent3"/>
+          </a:fillRef>
+          <a:effectRef idx="0">
+            <a:schemeClr val="accent3"/>
+          </a:effectRef>
+          <a:fontRef idx="minor">
+            <a:schemeClr val="lt1"/>
+          </a:fontRef>
+        </p:style>
+        <p:txBody>
+          <a:bodyPr rtlCol="0" anchor="ctr"/>
+          <a:p>
+            <a:pPr algn="ctr"/>
+            <a:endParaRPr lang="zh-CN" altLang="en-US"/>
+          </a:p>
+        </p:txBody>
+      </p:sp>
+      <p:pic>
+        <p:nvPicPr>
+          <p:cNvPr id="5" name="图片 4"/>
+          <p:cNvPicPr>
+            <a:picLocks noChangeAspect="1"/>
+          </p:cNvPicPr>
+          <p:nvPr/>
+        </p:nvPicPr>
+        <p:blipFill>
+          <a:blip r:embed="rId1"/>
+          <a:stretch>
+            <a:fillRect/>
+          </a:stretch>
+        </p:blipFill>
+        <p:spPr>
+          <a:xfrm>
+            <a:off x="6755130" y="340360"/>
+            <a:ext cx="5137785" cy="3625215"/>
+          </a:xfrm>
+          <a:prstGeom prst="rect">
+            <a:avLst/>
+          </a:prstGeom>
+        </p:spPr>
+      </p:pic>
+      <p:sp>
+        <p:nvSpPr>
+          <p:cNvPr id="6" name="文本框 5"/>
+          <p:cNvSpPr txBox="1"/>
+          <p:nvPr/>
+        </p:nvSpPr>
+        <p:spPr>
+          <a:xfrm>
+            <a:off x="902970" y="1420495"/>
+            <a:ext cx="5243195" cy="1198880"/>
+          </a:xfrm>
+          <a:prstGeom prst="rect">
+            <a:avLst/>
+          </a:prstGeom>
+          <a:noFill/>
+        </p:spPr>
+        <p:txBody>
+          <a:bodyPr wrap="square" rtlCol="0">
+            <a:spAutoFit/>
+          </a:bodyPr>
+          <a:p>
+            <a:r>
+              <a:rPr lang="zh-CN" altLang="en-US" sz="3600" b="1" i="1"/>
+              <a:t>《</a:t>
+            </a:r>
+            <a:r>
+              <a:rPr lang="en-US" altLang="zh-CN" sz="3600" b="1" i="1"/>
+              <a:t>Nebula</a:t>
+            </a:r>
+            <a:r>
+              <a:rPr lang="zh-CN" altLang="en-US" sz="3600" b="1" i="1"/>
+              <a:t>》</a:t>
+            </a:r>
+            <a:endParaRPr lang="zh-CN" altLang="en-US" sz="3600" b="1" i="1"/>
+          </a:p>
+          <a:p>
+            <a:r>
+              <a:rPr lang="zh-CN" altLang="en-US" sz="3600" b="1" i="1"/>
+              <a:t>            第一阶段项目展示</a:t>
+            </a:r>
+            <a:endParaRPr lang="zh-CN" altLang="en-US" sz="3600" b="1" i="1"/>
           </a:p>
         </p:txBody>
       </p:sp>
